--- a/無能なサポーター.pptx
+++ b/無能なサポーター.pptx
@@ -106,6 +106,11 @@
       </a:defRPr>
     </a:lvl9pPr>
   </p:defaultTextStyle>
+  <p:extLst>
+    <p:ext uri="{EFAFB233-063F-42B5-8137-9DF3F51BA10A}">
+      <p15:sldGuideLst xmlns:p15="http://schemas.microsoft.com/office/powerpoint/2012/main"/>
+    </p:ext>
+  </p:extLst>
 </p:presentation>
 </file>
 
@@ -256,7 +261,7 @@
           <a:p>
             <a:fld id="{00EA20DE-47E8-4BFB-AAC0-ADFCD3ECD48D}" type="datetimeFigureOut">
               <a:rPr kumimoji="1" lang="ja-JP" altLang="en-US" smtClean="0"/>
-              <a:t>2025/1/22</a:t>
+              <a:t>2025/5/7</a:t>
             </a:fld>
             <a:endParaRPr kumimoji="1" lang="ja-JP" altLang="en-US"/>
           </a:p>
@@ -486,7 +491,7 @@
           <a:p>
             <a:fld id="{00EA20DE-47E8-4BFB-AAC0-ADFCD3ECD48D}" type="datetimeFigureOut">
               <a:rPr kumimoji="1" lang="ja-JP" altLang="en-US" smtClean="0"/>
-              <a:t>2025/1/22</a:t>
+              <a:t>2025/5/7</a:t>
             </a:fld>
             <a:endParaRPr kumimoji="1" lang="ja-JP" altLang="en-US"/>
           </a:p>
@@ -726,7 +731,7 @@
           <a:p>
             <a:fld id="{00EA20DE-47E8-4BFB-AAC0-ADFCD3ECD48D}" type="datetimeFigureOut">
               <a:rPr kumimoji="1" lang="ja-JP" altLang="en-US" smtClean="0"/>
-              <a:t>2025/1/22</a:t>
+              <a:t>2025/5/7</a:t>
             </a:fld>
             <a:endParaRPr kumimoji="1" lang="ja-JP" altLang="en-US"/>
           </a:p>
@@ -956,7 +961,7 @@
           <a:p>
             <a:fld id="{00EA20DE-47E8-4BFB-AAC0-ADFCD3ECD48D}" type="datetimeFigureOut">
               <a:rPr kumimoji="1" lang="ja-JP" altLang="en-US" smtClean="0"/>
-              <a:t>2025/1/22</a:t>
+              <a:t>2025/5/7</a:t>
             </a:fld>
             <a:endParaRPr kumimoji="1" lang="ja-JP" altLang="en-US"/>
           </a:p>
@@ -1231,7 +1236,7 @@
           <a:p>
             <a:fld id="{00EA20DE-47E8-4BFB-AAC0-ADFCD3ECD48D}" type="datetimeFigureOut">
               <a:rPr kumimoji="1" lang="ja-JP" altLang="en-US" smtClean="0"/>
-              <a:t>2025/1/22</a:t>
+              <a:t>2025/5/7</a:t>
             </a:fld>
             <a:endParaRPr kumimoji="1" lang="ja-JP" altLang="en-US"/>
           </a:p>
@@ -1560,7 +1565,7 @@
           <a:p>
             <a:fld id="{00EA20DE-47E8-4BFB-AAC0-ADFCD3ECD48D}" type="datetimeFigureOut">
               <a:rPr kumimoji="1" lang="ja-JP" altLang="en-US" smtClean="0"/>
-              <a:t>2025/1/22</a:t>
+              <a:t>2025/5/7</a:t>
             </a:fld>
             <a:endParaRPr kumimoji="1" lang="ja-JP" altLang="en-US"/>
           </a:p>
@@ -2036,7 +2041,7 @@
           <a:p>
             <a:fld id="{00EA20DE-47E8-4BFB-AAC0-ADFCD3ECD48D}" type="datetimeFigureOut">
               <a:rPr kumimoji="1" lang="ja-JP" altLang="en-US" smtClean="0"/>
-              <a:t>2025/1/22</a:t>
+              <a:t>2025/5/7</a:t>
             </a:fld>
             <a:endParaRPr kumimoji="1" lang="ja-JP" altLang="en-US"/>
           </a:p>
@@ -2177,7 +2182,7 @@
           <a:p>
             <a:fld id="{00EA20DE-47E8-4BFB-AAC0-ADFCD3ECD48D}" type="datetimeFigureOut">
               <a:rPr kumimoji="1" lang="ja-JP" altLang="en-US" smtClean="0"/>
-              <a:t>2025/1/22</a:t>
+              <a:t>2025/5/7</a:t>
             </a:fld>
             <a:endParaRPr kumimoji="1" lang="ja-JP" altLang="en-US"/>
           </a:p>
@@ -2290,7 +2295,7 @@
           <a:p>
             <a:fld id="{00EA20DE-47E8-4BFB-AAC0-ADFCD3ECD48D}" type="datetimeFigureOut">
               <a:rPr kumimoji="1" lang="ja-JP" altLang="en-US" smtClean="0"/>
-              <a:t>2025/1/22</a:t>
+              <a:t>2025/5/7</a:t>
             </a:fld>
             <a:endParaRPr kumimoji="1" lang="ja-JP" altLang="en-US"/>
           </a:p>
@@ -2633,7 +2638,7 @@
           <a:p>
             <a:fld id="{00EA20DE-47E8-4BFB-AAC0-ADFCD3ECD48D}" type="datetimeFigureOut">
               <a:rPr kumimoji="1" lang="ja-JP" altLang="en-US" smtClean="0"/>
-              <a:t>2025/1/22</a:t>
+              <a:t>2025/5/7</a:t>
             </a:fld>
             <a:endParaRPr kumimoji="1" lang="ja-JP" altLang="en-US"/>
           </a:p>
@@ -2921,7 +2926,7 @@
           <a:p>
             <a:fld id="{00EA20DE-47E8-4BFB-AAC0-ADFCD3ECD48D}" type="datetimeFigureOut">
               <a:rPr kumimoji="1" lang="ja-JP" altLang="en-US" smtClean="0"/>
-              <a:t>2025/1/22</a:t>
+              <a:t>2025/5/7</a:t>
             </a:fld>
             <a:endParaRPr kumimoji="1" lang="ja-JP" altLang="en-US"/>
           </a:p>
@@ -3194,7 +3199,7 @@
           <a:p>
             <a:fld id="{00EA20DE-47E8-4BFB-AAC0-ADFCD3ECD48D}" type="datetimeFigureOut">
               <a:rPr kumimoji="1" lang="ja-JP" altLang="en-US" smtClean="0"/>
-              <a:t>2025/1/22</a:t>
+              <a:t>2025/5/7</a:t>
             </a:fld>
             <a:endParaRPr kumimoji="1" lang="ja-JP" altLang="en-US"/>
           </a:p>
@@ -3633,9 +3638,10 @@
           <a:lstStyle/>
           <a:p>
             <a:r>
-              <a:rPr kumimoji="1" lang="ja-JP" altLang="en-US" dirty="0"/>
-              <a:t>無能なサポーター</a:t>
-            </a:r>
+              <a:rPr lang="ja-JP" altLang="en-US" dirty="0"/>
+              <a:t>授業ノート管理アプリ</a:t>
+            </a:r>
+            <a:endParaRPr kumimoji="1" lang="ja-JP" altLang="en-US" dirty="0"/>
           </a:p>
         </p:txBody>
       </p:sp>
@@ -3660,10 +3666,7 @@
           <a:bodyPr/>
           <a:lstStyle/>
           <a:p>
-            <a:r>
-              <a:rPr kumimoji="1" lang="ja-JP" altLang="en-US" dirty="0"/>
-              <a:t>～頼りすぎるな～</a:t>
-            </a:r>
+            <a:endParaRPr kumimoji="1" lang="ja-JP" altLang="en-US" dirty="0"/>
           </a:p>
         </p:txBody>
       </p:sp>
@@ -3747,16 +3750,17 @@
           <a:lstStyle/>
           <a:p>
             <a:r>
+              <a:rPr kumimoji="1" lang="ja-JP" altLang="en-US" dirty="0"/>
+              <a:t>授業ごとにノートを管理できるアプリ</a:t>
+            </a:r>
+            <a:endParaRPr lang="en-US" altLang="ja-JP" dirty="0"/>
+          </a:p>
+          <a:p>
+            <a:r>
               <a:rPr lang="ja-JP" altLang="en-US" dirty="0"/>
-              <a:t>日常で使う電卓や目覚まし時計が頼りなくなってしまうアプリ。</a:t>
+              <a:t>自分で保存したノートを検索に書けることができる。</a:t>
             </a:r>
             <a:endParaRPr lang="en-US" altLang="ja-JP" dirty="0"/>
-          </a:p>
-          <a:p>
-            <a:r>
-              <a:rPr kumimoji="1" lang="ja-JP" altLang="en-US" dirty="0"/>
-              <a:t>現在は電卓と目覚まし時計だが思いつき次第追加する。</a:t>
-            </a:r>
           </a:p>
         </p:txBody>
       </p:sp>
@@ -3861,14 +3865,9 @@
           <a:p>
             <a:pPr algn="ctr"/>
             <a:r>
-              <a:rPr lang="en-US" altLang="ja-JP" dirty="0"/>
-              <a:t>Welcome</a:t>
-            </a:r>
-            <a:r>
-              <a:rPr lang="ja-JP" altLang="en-US" dirty="0"/>
-              <a:t>ページ</a:t>
-            </a:r>
-            <a:endParaRPr kumimoji="1" lang="ja-JP" altLang="en-US" dirty="0"/>
+              <a:rPr kumimoji="1" lang="ja-JP" altLang="en-US" dirty="0"/>
+              <a:t>起動画面</a:t>
+            </a:r>
           </a:p>
         </p:txBody>
       </p:sp>
@@ -3954,9 +3953,10 @@
           <a:p>
             <a:pPr algn="ctr"/>
             <a:r>
-              <a:rPr kumimoji="1" lang="ja-JP" altLang="en-US" dirty="0"/>
-              <a:t>機能選択ページ</a:t>
-            </a:r>
+              <a:rPr lang="ja-JP" altLang="en-US" dirty="0"/>
+              <a:t>ホーム画面</a:t>
+            </a:r>
+            <a:endParaRPr kumimoji="1" lang="ja-JP" altLang="en-US" dirty="0"/>
           </a:p>
         </p:txBody>
       </p:sp>
@@ -4196,7 +4196,7 @@
             <a:pPr algn="ctr"/>
             <a:r>
               <a:rPr lang="ja-JP" altLang="en-US" dirty="0"/>
-              <a:t>目覚まし時計ページ</a:t>
+              <a:t>ノート詳細画面</a:t>
             </a:r>
             <a:endParaRPr kumimoji="1" lang="ja-JP" altLang="en-US" dirty="0"/>
           </a:p>
@@ -4245,13 +4245,219 @@
           <a:p>
             <a:pPr algn="ctr"/>
             <a:r>
-              <a:rPr lang="ja-JP" altLang="en-US" dirty="0"/>
-              <a:t>電卓ページ</a:t>
-            </a:r>
-            <a:endParaRPr kumimoji="1" lang="ja-JP" altLang="en-US" dirty="0"/>
-          </a:p>
-        </p:txBody>
-      </p:sp>
+              <a:rPr kumimoji="1" lang="ja-JP" altLang="en-US" dirty="0"/>
+              <a:t>新規ノート作成</a:t>
+            </a:r>
+          </a:p>
+        </p:txBody>
+      </p:sp>
+      <p:cxnSp>
+        <p:nvCxnSpPr>
+          <p:cNvPr id="4" name="直線コネクタ 3">
+            <a:extLst>
+              <a:ext uri="{FF2B5EF4-FFF2-40B4-BE49-F238E27FC236}">
+                <a16:creationId xmlns:a16="http://schemas.microsoft.com/office/drawing/2014/main" id="{D6B1B96A-CDE4-6F50-C400-BE441E0711B2}"/>
+              </a:ext>
+            </a:extLst>
+          </p:cNvPr>
+          <p:cNvCxnSpPr>
+            <a:cxnSpLocks/>
+          </p:cNvCxnSpPr>
+          <p:nvPr/>
+        </p:nvCxnSpPr>
+        <p:spPr>
+          <a:xfrm flipV="1">
+            <a:off x="9825667" y="4183923"/>
+            <a:ext cx="1249405" cy="1256"/>
+          </a:xfrm>
+          <a:prstGeom prst="line">
+            <a:avLst/>
+          </a:prstGeom>
+        </p:spPr>
+        <p:style>
+          <a:lnRef idx="2">
+            <a:schemeClr val="accent1"/>
+          </a:lnRef>
+          <a:fillRef idx="0">
+            <a:schemeClr val="accent1"/>
+          </a:fillRef>
+          <a:effectRef idx="1">
+            <a:schemeClr val="accent1"/>
+          </a:effectRef>
+          <a:fontRef idx="minor">
+            <a:schemeClr val="tx1"/>
+          </a:fontRef>
+        </p:style>
+      </p:cxnSp>
+      <p:sp>
+        <p:nvSpPr>
+          <p:cNvPr id="8" name="正方形/長方形 7">
+            <a:extLst>
+              <a:ext uri="{FF2B5EF4-FFF2-40B4-BE49-F238E27FC236}">
+                <a16:creationId xmlns:a16="http://schemas.microsoft.com/office/drawing/2014/main" id="{36A8189E-17CD-2F99-9B75-66B87A04B5FE}"/>
+              </a:ext>
+            </a:extLst>
+          </p:cNvPr>
+          <p:cNvSpPr/>
+          <p:nvPr/>
+        </p:nvSpPr>
+        <p:spPr>
+          <a:xfrm>
+            <a:off x="10070561" y="3022042"/>
+            <a:ext cx="2009022" cy="813916"/>
+          </a:xfrm>
+          <a:prstGeom prst="rect">
+            <a:avLst/>
+          </a:prstGeom>
+        </p:spPr>
+        <p:style>
+          <a:lnRef idx="2">
+            <a:schemeClr val="accent1">
+              <a:shade val="15000"/>
+            </a:schemeClr>
+          </a:lnRef>
+          <a:fillRef idx="1">
+            <a:schemeClr val="accent1"/>
+          </a:fillRef>
+          <a:effectRef idx="0">
+            <a:schemeClr val="accent1"/>
+          </a:effectRef>
+          <a:fontRef idx="minor">
+            <a:schemeClr val="lt1"/>
+          </a:fontRef>
+        </p:style>
+        <p:txBody>
+          <a:bodyPr rtlCol="0" anchor="ctr"/>
+          <a:lstStyle/>
+          <a:p>
+            <a:pPr algn="ctr"/>
+            <a:r>
+              <a:rPr kumimoji="1" lang="ja-JP" altLang="en-US" dirty="0"/>
+              <a:t>編集画面</a:t>
+            </a:r>
+          </a:p>
+        </p:txBody>
+      </p:sp>
+      <p:cxnSp>
+        <p:nvCxnSpPr>
+          <p:cNvPr id="11" name="直線矢印コネクタ 10">
+            <a:extLst>
+              <a:ext uri="{FF2B5EF4-FFF2-40B4-BE49-F238E27FC236}">
+                <a16:creationId xmlns:a16="http://schemas.microsoft.com/office/drawing/2014/main" id="{B56FAF79-6920-51E0-E8EE-BC1684B5D022}"/>
+              </a:ext>
+            </a:extLst>
+          </p:cNvPr>
+          <p:cNvCxnSpPr>
+            <a:cxnSpLocks/>
+          </p:cNvCxnSpPr>
+          <p:nvPr/>
+        </p:nvCxnSpPr>
+        <p:spPr>
+          <a:xfrm flipV="1">
+            <a:off x="11075072" y="3835958"/>
+            <a:ext cx="0" cy="357500"/>
+          </a:xfrm>
+          <a:prstGeom prst="straightConnector1">
+            <a:avLst/>
+          </a:prstGeom>
+          <a:ln>
+            <a:tailEnd type="triangle"/>
+          </a:ln>
+        </p:spPr>
+        <p:style>
+          <a:lnRef idx="2">
+            <a:schemeClr val="accent1"/>
+          </a:lnRef>
+          <a:fillRef idx="0">
+            <a:schemeClr val="accent1"/>
+          </a:fillRef>
+          <a:effectRef idx="1">
+            <a:schemeClr val="accent1"/>
+          </a:effectRef>
+          <a:fontRef idx="minor">
+            <a:schemeClr val="tx1"/>
+          </a:fontRef>
+        </p:style>
+      </p:cxnSp>
+      <p:cxnSp>
+        <p:nvCxnSpPr>
+          <p:cNvPr id="24" name="直線コネクタ 23">
+            <a:extLst>
+              <a:ext uri="{FF2B5EF4-FFF2-40B4-BE49-F238E27FC236}">
+                <a16:creationId xmlns:a16="http://schemas.microsoft.com/office/drawing/2014/main" id="{02D21DA3-7510-F915-5054-8F5B5551FFEE}"/>
+              </a:ext>
+            </a:extLst>
+          </p:cNvPr>
+          <p:cNvCxnSpPr>
+            <a:cxnSpLocks/>
+          </p:cNvCxnSpPr>
+          <p:nvPr/>
+        </p:nvCxnSpPr>
+        <p:spPr>
+          <a:xfrm>
+            <a:off x="11075072" y="2721691"/>
+            <a:ext cx="0" cy="300351"/>
+          </a:xfrm>
+          <a:prstGeom prst="line">
+            <a:avLst/>
+          </a:prstGeom>
+        </p:spPr>
+        <p:style>
+          <a:lnRef idx="2">
+            <a:schemeClr val="accent1"/>
+          </a:lnRef>
+          <a:fillRef idx="0">
+            <a:schemeClr val="accent1"/>
+          </a:fillRef>
+          <a:effectRef idx="1">
+            <a:schemeClr val="accent1"/>
+          </a:effectRef>
+          <a:fontRef idx="minor">
+            <a:schemeClr val="tx1"/>
+          </a:fontRef>
+        </p:style>
+      </p:cxnSp>
+      <p:cxnSp>
+        <p:nvCxnSpPr>
+          <p:cNvPr id="26" name="直線矢印コネクタ 25">
+            <a:extLst>
+              <a:ext uri="{FF2B5EF4-FFF2-40B4-BE49-F238E27FC236}">
+                <a16:creationId xmlns:a16="http://schemas.microsoft.com/office/drawing/2014/main" id="{3262A113-40DD-E4A5-0FA0-D5AAAE3762B2}"/>
+              </a:ext>
+            </a:extLst>
+          </p:cNvPr>
+          <p:cNvCxnSpPr>
+            <a:cxnSpLocks/>
+          </p:cNvCxnSpPr>
+          <p:nvPr/>
+        </p:nvCxnSpPr>
+        <p:spPr>
+          <a:xfrm flipH="1">
+            <a:off x="9901084" y="2721691"/>
+            <a:ext cx="1173988" cy="0"/>
+          </a:xfrm>
+          <a:prstGeom prst="straightConnector1">
+            <a:avLst/>
+          </a:prstGeom>
+          <a:ln>
+            <a:tailEnd type="triangle"/>
+          </a:ln>
+        </p:spPr>
+        <p:style>
+          <a:lnRef idx="2">
+            <a:schemeClr val="accent1"/>
+          </a:lnRef>
+          <a:fillRef idx="0">
+            <a:schemeClr val="accent1"/>
+          </a:fillRef>
+          <a:effectRef idx="1">
+            <a:schemeClr val="accent1"/>
+          </a:effectRef>
+          <a:fontRef idx="minor">
+            <a:schemeClr val="tx1"/>
+          </a:fontRef>
+        </p:style>
+      </p:cxnSp>
     </p:spTree>
     <p:extLst>
       <p:ext uri="{BB962C8B-B14F-4D97-AF65-F5344CB8AC3E}">
